--- a/Blatt-04/Präsi_Blatt04_Aufgabe2.pptx
+++ b/Blatt-04/Präsi_Blatt04_Aufgabe2.pptx
@@ -321,7 +321,7 @@
         <p:nvSpPr>
           <p:cNvPr id="4100" name="Rectangle 4"/>
           <p:cNvSpPr>
-            <a:spLocks noChangeArrowheads="1" noTextEdit="1"/>
+            <a:spLocks noGrp="1" noRot="1" noChangeAspect="1" noChangeArrowheads="1" noTextEdit="1"/>
           </p:cNvSpPr>
           <p:nvPr>
             <p:ph type="sldImg" idx="2"/>
@@ -869,7 +869,7 @@
         <p:nvSpPr>
           <p:cNvPr id="5123" name="Rectangle 2"/>
           <p:cNvSpPr>
-            <a:spLocks noChangeArrowheads="1" noTextEdit="1"/>
+            <a:spLocks noGrp="1" noRot="1" noChangeAspect="1" noChangeArrowheads="1" noTextEdit="1"/>
           </p:cNvSpPr>
           <p:nvPr>
             <p:ph type="sldImg"/>
@@ -2310,11 +2310,7 @@
           <a:p>
             <a:r>
               <a:rPr lang="de-DE" altLang="de-DE" dirty="0" smtClean="0"/>
-              <a:t>Strikt dominante </a:t>
-            </a:r>
-            <a:r>
-              <a:rPr lang="de-DE" altLang="de-DE" dirty="0" smtClean="0"/>
-              <a:t>Aktion</a:t>
+              <a:t>Strikt dominante Aktion</a:t>
             </a:r>
             <a:r>
               <a:rPr lang="de-DE" altLang="de-DE" baseline="0" dirty="0" smtClean="0"/>
@@ -4321,6 +4317,13 @@
   <p:clrMapOvr>
     <a:masterClrMapping/>
   </p:clrMapOvr>
+  <p:timing>
+    <p:tnLst>
+      <p:par>
+        <p:cTn id="1" dur="indefinite" restart="never" nodeType="tmRoot"/>
+      </p:par>
+    </p:tnLst>
+  </p:timing>
 </p:sldLayout>
 </file>
 
@@ -4938,6 +4941,13 @@
   <p:clrMapOvr>
     <a:masterClrMapping/>
   </p:clrMapOvr>
+  <p:timing>
+    <p:tnLst>
+      <p:par>
+        <p:cTn id="1" dur="indefinite" restart="never" nodeType="tmRoot"/>
+      </p:par>
+    </p:tnLst>
+  </p:timing>
 </p:sldLayout>
 </file>
 
@@ -7508,6 +7518,13 @@
     <p:sldLayoutId id="2147483658" r:id="rId10"/>
     <p:sldLayoutId id="2147483659" r:id="rId11"/>
   </p:sldLayoutIdLst>
+  <p:timing>
+    <p:tnLst>
+      <p:par>
+        <p:cTn id="1" dur="indefinite" restart="never" nodeType="tmRoot"/>
+      </p:par>
+    </p:tnLst>
+  </p:timing>
   <p:txStyles>
     <p:titleStyle>
       <a:lvl1pPr algn="l" rtl="0" eaLnBrk="0" fontAlgn="base" hangingPunct="0">
@@ -7517,7 +7534,7 @@
         <a:spcAft>
           <a:spcPct val="0"/>
         </a:spcAft>
-        <a:defRPr>
+        <a:defRPr b="1">
           <a:solidFill>
             <a:schemeClr val="bg1"/>
           </a:solidFill>
@@ -8179,47 +8196,7 @@
                   </a:schemeClr>
                 </a:solidFill>
               </a:rPr>
-              <a:t>18.11.2016</a:t>
-            </a:r>
-            <a:r>
-              <a:rPr lang="de-DE" altLang="de-DE" sz="1400" kern="0" dirty="0" smtClean="0">
-                <a:solidFill>
-                  <a:schemeClr val="bg1">
-                    <a:lumMod val="50000"/>
-                  </a:schemeClr>
-                </a:solidFill>
-              </a:rPr>
-              <a:t>		</a:t>
-            </a:r>
-            <a:r>
-              <a:rPr lang="de-DE" altLang="de-DE" sz="1400" kern="0" dirty="0" smtClean="0">
-                <a:solidFill>
-                  <a:schemeClr val="bg1">
-                    <a:lumMod val="50000"/>
-                  </a:schemeClr>
-                </a:solidFill>
-              </a:rPr>
-              <a:t>	</a:t>
-            </a:r>
-            <a:r>
-              <a:rPr lang="de-DE" altLang="de-DE" sz="1400" kern="0" dirty="0" smtClean="0">
-                <a:solidFill>
-                  <a:schemeClr val="bg1">
-                    <a:lumMod val="50000"/>
-                  </a:schemeClr>
-                </a:solidFill>
-              </a:rPr>
-              <a:t>		Patrick Eckhard, Carola Gajek, Stefan </a:t>
-            </a:r>
-            <a:r>
-              <a:rPr lang="de-DE" altLang="de-DE" sz="1400" kern="0" dirty="0" smtClean="0">
-                <a:solidFill>
-                  <a:schemeClr val="bg1">
-                    <a:lumMod val="50000"/>
-                  </a:schemeClr>
-                </a:solidFill>
-              </a:rPr>
-              <a:t>Witossek</a:t>
+              <a:t>18.11.2016					Patrick Eckhard, Carola Gajek, Stefan Witossek</a:t>
             </a:r>
           </a:p>
         </p:txBody>
@@ -8274,13 +8251,8 @@
             <a:pPr eaLnBrk="1" hangingPunct="1"/>
             <a:r>
               <a:rPr lang="de-DE" altLang="de-DE" dirty="0" smtClean="0"/>
-              <a:t>Aufgabe </a:t>
-            </a:r>
-            <a:r>
-              <a:rPr lang="de-DE" altLang="de-DE" dirty="0" smtClean="0"/>
-              <a:t>1d)</a:t>
-            </a:r>
-            <a:endParaRPr lang="de-DE" altLang="de-DE" dirty="0" smtClean="0"/>
+              <a:t>Aufgabe 1d)</a:t>
+            </a:r>
           </a:p>
         </p:txBody>
       </p:sp>
@@ -8716,6 +8688,13 @@
   <p:clrMapOvr>
     <a:masterClrMapping/>
   </p:clrMapOvr>
+  <p:timing>
+    <p:tnLst>
+      <p:par>
+        <p:cTn id="1" dur="indefinite" restart="never" nodeType="tmRoot"/>
+      </p:par>
+    </p:tnLst>
+  </p:timing>
 </p:sld>
 </file>
 
@@ -8754,13 +8733,8 @@
             <a:pPr eaLnBrk="1" hangingPunct="1"/>
             <a:r>
               <a:rPr lang="de-DE" altLang="de-DE" dirty="0" smtClean="0"/>
-              <a:t>Aufgabe </a:t>
-            </a:r>
-            <a:r>
-              <a:rPr lang="de-DE" altLang="de-DE" dirty="0" smtClean="0"/>
-              <a:t>1d)</a:t>
-            </a:r>
-            <a:endParaRPr lang="de-DE" altLang="de-DE" dirty="0" smtClean="0"/>
+              <a:t>Aufgabe 1d)</a:t>
+            </a:r>
           </a:p>
         </p:txBody>
       </p:sp>
@@ -9208,6 +9182,13 @@
   <p:clrMapOvr>
     <a:masterClrMapping/>
   </p:clrMapOvr>
+  <p:timing>
+    <p:tnLst>
+      <p:par>
+        <p:cTn id="1" dur="indefinite" restart="never" nodeType="tmRoot"/>
+      </p:par>
+    </p:tnLst>
+  </p:timing>
 </p:sld>
 </file>
 
@@ -9246,13 +9227,8 @@
             <a:pPr eaLnBrk="1" hangingPunct="1"/>
             <a:r>
               <a:rPr lang="de-DE" altLang="de-DE" dirty="0" smtClean="0"/>
-              <a:t>Aufgabe </a:t>
-            </a:r>
-            <a:r>
-              <a:rPr lang="de-DE" altLang="de-DE" dirty="0" smtClean="0"/>
-              <a:t>1d)</a:t>
-            </a:r>
-            <a:endParaRPr lang="de-DE" altLang="de-DE" dirty="0" smtClean="0"/>
+              <a:t>Aufgabe 1d)</a:t>
+            </a:r>
           </a:p>
         </p:txBody>
       </p:sp>
@@ -9933,6 +9909,13 @@
   <p:clrMapOvr>
     <a:masterClrMapping/>
   </p:clrMapOvr>
+  <p:timing>
+    <p:tnLst>
+      <p:par>
+        <p:cTn id="1" dur="indefinite" restart="never" nodeType="tmRoot"/>
+      </p:par>
+    </p:tnLst>
+  </p:timing>
 </p:sld>
 </file>
 
@@ -9976,8 +9959,8 @@
           </a:p>
         </p:txBody>
       </p:sp>
-      <mc:AlternateContent xmlns:mc="http://schemas.openxmlformats.org/markup-compatibility/2006">
-        <mc:Choice xmlns:a14="http://schemas.microsoft.com/office/drawing/2010/main" Requires="a14">
+      <mc:AlternateContent xmlns:mc="http://schemas.openxmlformats.org/markup-compatibility/2006" xmlns:a14="http://schemas.microsoft.com/office/drawing/2010/main">
+        <mc:Choice Requires="a14">
           <p:sp>
             <p:nvSpPr>
               <p:cNvPr id="3" name="Inhaltsplatzhalter 2"/>
@@ -10231,14 +10214,7 @@
                         <a:latin typeface="Cambria Math"/>
                         <a:ea typeface="Cambria Math"/>
                       </a:rPr>
-                      <m:t>&gt;</m:t>
-                    </m:r>
-                    <m:r>
-                      <a:rPr lang="de-DE" sz="2800" b="0" i="1" smtClean="0">
-                        <a:latin typeface="Cambria Math"/>
-                        <a:ea typeface="Cambria Math"/>
-                      </a:rPr>
-                      <m:t>1</m:t>
+                      <m:t>&gt;1</m:t>
                     </m:r>
                   </m:oMath>
                 </a14:m>
@@ -10250,7 +10226,7 @@
             </p:txBody>
           </p:sp>
         </mc:Choice>
-        <mc:Fallback>
+        <mc:Fallback xmlns="">
           <p:sp>
             <p:nvSpPr>
               <p:cNvPr id="3" name="Inhaltsplatzhalter 2"/>
@@ -10294,6 +10270,13 @@
   <p:clrMapOvr>
     <a:masterClrMapping/>
   </p:clrMapOvr>
+  <p:timing>
+    <p:tnLst>
+      <p:par>
+        <p:cTn id="1" dur="indefinite" restart="never" nodeType="tmRoot"/>
+      </p:par>
+    </p:tnLst>
+  </p:timing>
 </p:sld>
 </file>
 
@@ -10394,6 +10377,13 @@
   <p:clrMapOvr>
     <a:masterClrMapping/>
   </p:clrMapOvr>
+  <p:timing>
+    <p:tnLst>
+      <p:par>
+        <p:cTn id="1" dur="indefinite" restart="never" nodeType="tmRoot"/>
+      </p:par>
+    </p:tnLst>
+  </p:timing>
 </p:sld>
 </file>
 
@@ -10542,6 +10532,13 @@
   <p:clrMapOvr>
     <a:masterClrMapping/>
   </p:clrMapOvr>
+  <p:timing>
+    <p:tnLst>
+      <p:par>
+        <p:cTn id="1" dur="indefinite" restart="never" nodeType="tmRoot"/>
+      </p:par>
+    </p:tnLst>
+  </p:timing>
 </p:sld>
 </file>
 
@@ -10692,6 +10689,13 @@
   <p:clrMapOvr>
     <a:masterClrMapping/>
   </p:clrMapOvr>
+  <p:timing>
+    <p:tnLst>
+      <p:par>
+        <p:cTn id="1" dur="indefinite" restart="never" nodeType="tmRoot"/>
+      </p:par>
+    </p:tnLst>
+  </p:timing>
 </p:sld>
 </file>
 
@@ -10809,6 +10813,13 @@
   <p:clrMapOvr>
     <a:masterClrMapping/>
   </p:clrMapOvr>
+  <p:timing>
+    <p:tnLst>
+      <p:par>
+        <p:cTn id="1" dur="indefinite" restart="never" nodeType="tmRoot"/>
+      </p:par>
+    </p:tnLst>
+  </p:timing>
 </p:sld>
 </file>
 
@@ -10926,6 +10937,13 @@
   <p:clrMapOvr>
     <a:masterClrMapping/>
   </p:clrMapOvr>
+  <p:timing>
+    <p:tnLst>
+      <p:par>
+        <p:cTn id="1" dur="indefinite" restart="never" nodeType="tmRoot"/>
+      </p:par>
+    </p:tnLst>
+  </p:timing>
 </p:sld>
 </file>
 
@@ -11072,6 +11090,13 @@
   <p:clrMapOvr>
     <a:masterClrMapping/>
   </p:clrMapOvr>
+  <p:timing>
+    <p:tnLst>
+      <p:par>
+        <p:cTn id="1" dur="indefinite" restart="never" nodeType="tmRoot"/>
+      </p:par>
+    </p:tnLst>
+  </p:timing>
 </p:sld>
 </file>
 
@@ -11226,6 +11251,13 @@
   <p:clrMapOvr>
     <a:masterClrMapping/>
   </p:clrMapOvr>
+  <p:timing>
+    <p:tnLst>
+      <p:par>
+        <p:cTn id="1" dur="indefinite" restart="never" nodeType="tmRoot"/>
+      </p:par>
+    </p:tnLst>
+  </p:timing>
 </p:sld>
 </file>
 
@@ -11384,6 +11416,13 @@
   <p:clrMapOvr>
     <a:masterClrMapping/>
   </p:clrMapOvr>
+  <p:timing>
+    <p:tnLst>
+      <p:par>
+        <p:cTn id="1" dur="indefinite" restart="never" nodeType="tmRoot"/>
+      </p:par>
+    </p:tnLst>
+  </p:timing>
 </p:sld>
 </file>
 
@@ -11509,6 +11548,13 @@
   <p:clrMapOvr>
     <a:masterClrMapping/>
   </p:clrMapOvr>
+  <p:timing>
+    <p:tnLst>
+      <p:par>
+        <p:cTn id="1" dur="indefinite" restart="never" nodeType="tmRoot"/>
+      </p:par>
+    </p:tnLst>
+  </p:timing>
 </p:sld>
 </file>
 
@@ -11552,8 +11598,8 @@
           </a:p>
         </p:txBody>
       </p:sp>
-      <mc:AlternateContent xmlns:mc="http://schemas.openxmlformats.org/markup-compatibility/2006">
-        <mc:Choice xmlns:a14="http://schemas.microsoft.com/office/drawing/2010/main" Requires="a14">
+      <mc:AlternateContent xmlns:mc="http://schemas.openxmlformats.org/markup-compatibility/2006" xmlns:a14="http://schemas.microsoft.com/office/drawing/2010/main">
+        <mc:Choice Requires="a14">
           <p:sp>
             <p:nvSpPr>
               <p:cNvPr id="3" name="Inhaltsplatzhalter 2"/>
@@ -11978,7 +12024,13 @@
                             <a:rPr lang="de-DE" sz="2800" b="0" i="1" smtClean="0">
                               <a:latin typeface="Cambria Math"/>
                             </a:rPr>
-                            <m:t>𝑓𝑎𝑙𝑙𝑠</m:t>
+                            <m:t>𝑓</m:t>
+                          </m:r>
+                          <m:r>
+                            <a:rPr lang="de-DE" sz="2800" b="0" i="1" smtClean="0">
+                              <a:latin typeface="Cambria Math"/>
+                            </a:rPr>
+                            <m:t>𝑎𝑙𝑙𝑠</m:t>
                           </m:r>
                           <m:r>
                             <a:rPr lang="de-DE" sz="2800" b="0" i="1" smtClean="0">
@@ -12219,7 +12271,7 @@
             </p:txBody>
           </p:sp>
         </mc:Choice>
-        <mc:Fallback>
+        <mc:Fallback xmlns="">
           <p:sp>
             <p:nvSpPr>
               <p:cNvPr id="3" name="Inhaltsplatzhalter 2"/>
@@ -12263,6 +12315,13 @@
   <p:clrMapOvr>
     <a:masterClrMapping/>
   </p:clrMapOvr>
+  <p:timing>
+    <p:tnLst>
+      <p:par>
+        <p:cTn id="1" dur="indefinite" restart="never" nodeType="tmRoot"/>
+      </p:par>
+    </p:tnLst>
+  </p:timing>
 </p:sld>
 </file>
 
@@ -12378,6 +12437,13 @@
   <p:clrMapOvr>
     <a:masterClrMapping/>
   </p:clrMapOvr>
+  <p:timing>
+    <p:tnLst>
+      <p:par>
+        <p:cTn id="1" dur="indefinite" restart="never" nodeType="tmRoot"/>
+      </p:par>
+    </p:tnLst>
+  </p:timing>
 </p:sld>
 </file>
 
@@ -12421,8 +12487,8 @@
           </a:p>
         </p:txBody>
       </p:sp>
-      <mc:AlternateContent xmlns:mc="http://schemas.openxmlformats.org/markup-compatibility/2006">
-        <mc:Choice xmlns:a14="http://schemas.microsoft.com/office/drawing/2010/main" Requires="a14">
+      <mc:AlternateContent xmlns:mc="http://schemas.openxmlformats.org/markup-compatibility/2006" xmlns:a14="http://schemas.microsoft.com/office/drawing/2010/main">
+        <mc:Choice Requires="a14">
           <p:sp>
             <p:nvSpPr>
               <p:cNvPr id="3" name="Inhaltsplatzhalter 2"/>
@@ -12650,7 +12716,7 @@
             </p:txBody>
           </p:sp>
         </mc:Choice>
-        <mc:Fallback>
+        <mc:Fallback xmlns="">
           <p:sp>
             <p:nvSpPr>
               <p:cNvPr id="3" name="Inhaltsplatzhalter 2"/>
@@ -12694,6 +12760,13 @@
   <p:clrMapOvr>
     <a:masterClrMapping/>
   </p:clrMapOvr>
+  <p:timing>
+    <p:tnLst>
+      <p:par>
+        <p:cTn id="1" dur="indefinite" restart="never" nodeType="tmRoot"/>
+      </p:par>
+    </p:tnLst>
+  </p:timing>
 </p:sld>
 </file>
 
@@ -12737,8 +12810,8 @@
           </a:p>
         </p:txBody>
       </p:sp>
-      <mc:AlternateContent xmlns:mc="http://schemas.openxmlformats.org/markup-compatibility/2006">
-        <mc:Choice xmlns:a14="http://schemas.microsoft.com/office/drawing/2010/main" Requires="a14">
+      <mc:AlternateContent xmlns:mc="http://schemas.openxmlformats.org/markup-compatibility/2006" xmlns:a14="http://schemas.microsoft.com/office/drawing/2010/main">
+        <mc:Choice Requires="a14">
           <p:sp>
             <p:nvSpPr>
               <p:cNvPr id="3" name="Inhaltsplatzhalter 2"/>
@@ -12877,7 +12950,7 @@
             </p:txBody>
           </p:sp>
         </mc:Choice>
-        <mc:Fallback>
+        <mc:Fallback xmlns="">
           <p:sp>
             <p:nvSpPr>
               <p:cNvPr id="3" name="Inhaltsplatzhalter 2"/>
@@ -12921,6 +12994,13 @@
   <p:clrMapOvr>
     <a:masterClrMapping/>
   </p:clrMapOvr>
+  <p:timing>
+    <p:tnLst>
+      <p:par>
+        <p:cTn id="1" dur="indefinite" restart="never" nodeType="tmRoot"/>
+      </p:par>
+    </p:tnLst>
+  </p:timing>
 </p:sld>
 </file>
 
@@ -12964,8 +13044,8 @@
           </a:p>
         </p:txBody>
       </p:sp>
-      <mc:AlternateContent xmlns:mc="http://schemas.openxmlformats.org/markup-compatibility/2006">
-        <mc:Choice xmlns:a14="http://schemas.microsoft.com/office/drawing/2010/main" Requires="a14">
+      <mc:AlternateContent xmlns:mc="http://schemas.openxmlformats.org/markup-compatibility/2006" xmlns:a14="http://schemas.microsoft.com/office/drawing/2010/main">
+        <mc:Choice Requires="a14">
           <p:sp>
             <p:nvSpPr>
               <p:cNvPr id="3" name="Inhaltsplatzhalter 2"/>
@@ -13195,7 +13275,7 @@
             </p:txBody>
           </p:sp>
         </mc:Choice>
-        <mc:Fallback>
+        <mc:Fallback xmlns="">
           <p:sp>
             <p:nvSpPr>
               <p:cNvPr id="3" name="Inhaltsplatzhalter 2"/>
@@ -13239,6 +13319,13 @@
   <p:clrMapOvr>
     <a:masterClrMapping/>
   </p:clrMapOvr>
+  <p:timing>
+    <p:tnLst>
+      <p:par>
+        <p:cTn id="1" dur="indefinite" restart="never" nodeType="tmRoot"/>
+      </p:par>
+    </p:tnLst>
+  </p:timing>
 </p:sld>
 </file>
 
@@ -13282,8 +13369,8 @@
           </a:p>
         </p:txBody>
       </p:sp>
-      <mc:AlternateContent xmlns:mc="http://schemas.openxmlformats.org/markup-compatibility/2006">
-        <mc:Choice xmlns:a14="http://schemas.microsoft.com/office/drawing/2010/main" Requires="a14">
+      <mc:AlternateContent xmlns:mc="http://schemas.openxmlformats.org/markup-compatibility/2006" xmlns:a14="http://schemas.microsoft.com/office/drawing/2010/main">
+        <mc:Choice Requires="a14">
           <p:sp>
             <p:nvSpPr>
               <p:cNvPr id="3" name="Inhaltsplatzhalter 2"/>
@@ -13490,7 +13577,7 @@
             </p:txBody>
           </p:sp>
         </mc:Choice>
-        <mc:Fallback>
+        <mc:Fallback xmlns="">
           <p:sp>
             <p:nvSpPr>
               <p:cNvPr id="3" name="Inhaltsplatzhalter 2"/>
@@ -13534,6 +13621,13 @@
   <p:clrMapOvr>
     <a:masterClrMapping/>
   </p:clrMapOvr>
+  <p:timing>
+    <p:tnLst>
+      <p:par>
+        <p:cTn id="1" dur="indefinite" restart="never" nodeType="tmRoot"/>
+      </p:par>
+    </p:tnLst>
+  </p:timing>
 </p:sld>
 </file>
 
@@ -13577,8 +13671,8 @@
           </a:p>
         </p:txBody>
       </p:sp>
-      <mc:AlternateContent xmlns:mc="http://schemas.openxmlformats.org/markup-compatibility/2006">
-        <mc:Choice xmlns:a14="http://schemas.microsoft.com/office/drawing/2010/main" Requires="a14">
+      <mc:AlternateContent xmlns:mc="http://schemas.openxmlformats.org/markup-compatibility/2006" xmlns:a14="http://schemas.microsoft.com/office/drawing/2010/main">
+        <mc:Choice Requires="a14">
           <p:sp>
             <p:nvSpPr>
               <p:cNvPr id="3" name="Inhaltsplatzhalter 2"/>
@@ -13717,7 +13811,7 @@
             </p:txBody>
           </p:sp>
         </mc:Choice>
-        <mc:Fallback>
+        <mc:Fallback xmlns="">
           <p:sp>
             <p:nvSpPr>
               <p:cNvPr id="3" name="Inhaltsplatzhalter 2"/>
@@ -13761,6 +13855,13 @@
   <p:clrMapOvr>
     <a:masterClrMapping/>
   </p:clrMapOvr>
+  <p:timing>
+    <p:tnLst>
+      <p:par>
+        <p:cTn id="1" dur="indefinite" restart="never" nodeType="tmRoot"/>
+      </p:par>
+    </p:tnLst>
+  </p:timing>
 </p:sld>
 </file>
 
@@ -13804,8 +13905,8 @@
           </a:p>
         </p:txBody>
       </p:sp>
-      <mc:AlternateContent xmlns:mc="http://schemas.openxmlformats.org/markup-compatibility/2006">
-        <mc:Choice xmlns:a14="http://schemas.microsoft.com/office/drawing/2010/main" Requires="a14">
+      <mc:AlternateContent xmlns:mc="http://schemas.openxmlformats.org/markup-compatibility/2006" xmlns:a14="http://schemas.microsoft.com/office/drawing/2010/main">
+        <mc:Choice Requires="a14">
           <p:sp>
             <p:nvSpPr>
               <p:cNvPr id="3" name="Inhaltsplatzhalter 2"/>
@@ -13957,7 +14058,7 @@
             </p:txBody>
           </p:sp>
         </mc:Choice>
-        <mc:Fallback>
+        <mc:Fallback xmlns="">
           <p:sp>
             <p:nvSpPr>
               <p:cNvPr id="3" name="Inhaltsplatzhalter 2"/>
@@ -14001,6 +14102,13 @@
   <p:clrMapOvr>
     <a:masterClrMapping/>
   </p:clrMapOvr>
+  <p:timing>
+    <p:tnLst>
+      <p:par>
+        <p:cTn id="1" dur="indefinite" restart="never" nodeType="tmRoot"/>
+      </p:par>
+    </p:tnLst>
+  </p:timing>
 </p:sld>
 </file>
 
@@ -14508,6 +14616,13 @@
   <p:clrMapOvr>
     <a:masterClrMapping/>
   </p:clrMapOvr>
+  <p:timing>
+    <p:tnLst>
+      <p:par>
+        <p:cTn id="1" dur="indefinite" restart="never" nodeType="tmRoot"/>
+      </p:par>
+    </p:tnLst>
+  </p:timing>
 </p:sld>
 </file>
 
@@ -14563,7 +14678,12 @@
                 <p:ph idx="1"/>
               </p:nvPr>
             </p:nvSpPr>
-            <p:spPr/>
+            <p:spPr>
+              <a:xfrm>
+                <a:off x="457200" y="1600200"/>
+                <a:ext cx="8291264" cy="4525963"/>
+              </a:xfrm>
+            </p:spPr>
             <p:txBody>
               <a:bodyPr/>
               <a:lstStyle/>
@@ -14694,23 +14814,67 @@
                 </a:r>
               </a:p>
               <a:p>
+                <a:pPr>
+                  <a:tabLst>
+                    <a:tab pos="2695575" algn="l"/>
+                  </a:tabLst>
+                </a:pPr>
                 <a:r>
                   <a:rPr lang="de-DE" sz="2800" dirty="0" smtClean="0"/>
-                  <a:t>Preis anheben 	 </a:t>
+                  <a:t>Preis </a:t>
+                </a:r>
+                <a:r>
+                  <a:rPr lang="de-DE" sz="2800" dirty="0" smtClean="0"/>
+                  <a:t>anheben 	</a:t>
                 </a:r>
                 <a:r>
                   <a:rPr lang="de-DE" sz="2800" dirty="0" smtClean="0">
                     <a:sym typeface="Wingdings" panose="05000000000000000000" pitchFamily="2" charset="2"/>
                   </a:rPr>
-                  <a:t> Gewinn 0</a:t>
+                  <a:t> </a:t>
                 </a:r>
-              </a:p>
-              <a:p>
                 <a:r>
                   <a:rPr lang="de-DE" sz="2800" dirty="0" smtClean="0">
                     <a:sym typeface="Wingdings" panose="05000000000000000000" pitchFamily="2" charset="2"/>
                   </a:rPr>
-                  <a:t>Preis senken  	  Gewinn sinkt auf </a:t>
+                  <a:t>Gewinn 0</a:t>
+                </a:r>
+              </a:p>
+              <a:p>
+                <a:pPr>
+                  <a:tabLst>
+                    <a:tab pos="2695575" algn="l"/>
+                  </a:tabLst>
+                </a:pPr>
+                <a:r>
+                  <a:rPr lang="de-DE" sz="2800" dirty="0" smtClean="0">
+                    <a:sym typeface="Wingdings" panose="05000000000000000000" pitchFamily="2" charset="2"/>
+                  </a:rPr>
+                  <a:t>Preis senken  </a:t>
+                </a:r>
+                <a:r>
+                  <a:rPr lang="de-DE" sz="2800" dirty="0">
+                    <a:sym typeface="Wingdings" panose="05000000000000000000" pitchFamily="2" charset="2"/>
+                  </a:rPr>
+                  <a:t> </a:t>
+                </a:r>
+                <a:r>
+                  <a:rPr lang="de-DE" sz="2800" dirty="0" smtClean="0">
+                    <a:sym typeface="Wingdings" panose="05000000000000000000" pitchFamily="2" charset="2"/>
+                  </a:rPr>
+                  <a:t>	</a:t>
+                </a:r>
+                <a:r>
+                  <a:rPr lang="de-DE" sz="2800" dirty="0" smtClean="0">
+                    <a:sym typeface="Wingdings" panose="05000000000000000000" pitchFamily="2" charset="2"/>
+                  </a:rPr>
+                  <a:t> </a:t>
+                </a:r>
+                <a:r>
+                  <a:rPr lang="de-DE" sz="2800" dirty="0" smtClean="0">
+                    <a:sym typeface="Wingdings" panose="05000000000000000000" pitchFamily="2" charset="2"/>
+                  </a:rPr>
+                  <a:t>Gewinn sinkt auf </a:t>
                 </a:r>
                 <a14:m>
                   <m:oMath xmlns:m="http://schemas.openxmlformats.org/officeDocument/2006/math">
@@ -14775,7 +14939,7 @@
                         <a:latin typeface="Cambria Math"/>
                         <a:sym typeface="Wingdings" panose="05000000000000000000" pitchFamily="2" charset="2"/>
                       </a:rPr>
-                      <m:t>)</m:t>
+                      <m:t>)&lt;0</m:t>
                     </m:r>
                   </m:oMath>
                 </a14:m>
@@ -14796,10 +14960,14 @@
               </p:nvPr>
             </p:nvSpPr>
             <p:spPr>
+              <a:xfrm>
+                <a:off x="457200" y="1600200"/>
+                <a:ext cx="8291264" cy="4525963"/>
+              </a:xfrm>
               <a:blipFill rotWithShape="1">
                 <a:blip r:embed="rId2"/>
                 <a:stretch>
-                  <a:fillRect l="-1481" t="-1348"/>
+                  <a:fillRect l="-1471" t="-1348"/>
                 </a:stretch>
               </a:blipFill>
             </p:spPr>
@@ -14828,6 +14996,13 @@
   <p:clrMapOvr>
     <a:masterClrMapping/>
   </p:clrMapOvr>
+  <p:timing>
+    <p:tnLst>
+      <p:par>
+        <p:cTn id="1" dur="indefinite" restart="never" nodeType="tmRoot"/>
+      </p:par>
+    </p:tnLst>
+  </p:timing>
 </p:sld>
 </file>
 
@@ -14871,8 +15046,8 @@
           </a:p>
         </p:txBody>
       </p:sp>
-      <mc:AlternateContent xmlns:mc="http://schemas.openxmlformats.org/markup-compatibility/2006">
-        <mc:Choice xmlns:a14="http://schemas.microsoft.com/office/drawing/2010/main" Requires="a14">
+      <mc:AlternateContent xmlns:mc="http://schemas.openxmlformats.org/markup-compatibility/2006" xmlns:a14="http://schemas.microsoft.com/office/drawing/2010/main">
+        <mc:Choice Requires="a14">
           <p:sp>
             <p:nvSpPr>
               <p:cNvPr id="3" name="Inhaltsplatzhalter 2"/>
@@ -15020,7 +15195,7 @@
             </p:txBody>
           </p:sp>
         </mc:Choice>
-        <mc:Fallback>
+        <mc:Fallback xmlns="">
           <p:sp>
             <p:nvSpPr>
               <p:cNvPr id="3" name="Inhaltsplatzhalter 2"/>
@@ -15686,6 +15861,13 @@
   <p:clrMapOvr>
     <a:masterClrMapping/>
   </p:clrMapOvr>
+  <p:timing>
+    <p:tnLst>
+      <p:par>
+        <p:cTn id="1" dur="indefinite" restart="never" nodeType="tmRoot"/>
+      </p:par>
+    </p:tnLst>
+  </p:timing>
 </p:sld>
 </file>
 
@@ -15724,13 +15906,8 @@
             <a:pPr eaLnBrk="1" hangingPunct="1"/>
             <a:r>
               <a:rPr lang="de-DE" altLang="de-DE" dirty="0" smtClean="0"/>
-              <a:t>Aufgabe </a:t>
-            </a:r>
-            <a:r>
-              <a:rPr lang="de-DE" altLang="de-DE" dirty="0" smtClean="0"/>
-              <a:t>1b)</a:t>
-            </a:r>
-            <a:endParaRPr lang="de-DE" altLang="de-DE" dirty="0" smtClean="0"/>
+              <a:t>Aufgabe 1b)</a:t>
+            </a:r>
           </a:p>
         </p:txBody>
       </p:sp>
@@ -15892,6 +16069,13 @@
   <p:clrMapOvr>
     <a:masterClrMapping/>
   </p:clrMapOvr>
+  <p:timing>
+    <p:tnLst>
+      <p:par>
+        <p:cTn id="1" dur="indefinite" restart="never" nodeType="tmRoot"/>
+      </p:par>
+    </p:tnLst>
+  </p:timing>
 </p:sld>
 </file>
 
@@ -15930,13 +16114,8 @@
             <a:pPr eaLnBrk="1" hangingPunct="1"/>
             <a:r>
               <a:rPr lang="de-DE" altLang="de-DE" dirty="0" smtClean="0"/>
-              <a:t>Aufgabe </a:t>
-            </a:r>
-            <a:r>
-              <a:rPr lang="de-DE" altLang="de-DE" dirty="0" smtClean="0"/>
-              <a:t>1b)</a:t>
-            </a:r>
-            <a:endParaRPr lang="de-DE" altLang="de-DE" dirty="0" smtClean="0"/>
+              <a:t>Aufgabe 1b)</a:t>
+            </a:r>
           </a:p>
         </p:txBody>
       </p:sp>
@@ -16082,7 +16261,6 @@
               <a:rPr lang="de-DE" altLang="de-DE" sz="2800" dirty="0" smtClean="0"/>
               <a:t>Beste Antwort von Spieler 2: y</a:t>
             </a:r>
-            <a:endParaRPr lang="de-DE" altLang="de-DE" sz="2800" dirty="0" smtClean="0"/>
           </a:p>
         </p:txBody>
       </p:sp>
@@ -16280,6 +16458,13 @@
   <p:clrMapOvr>
     <a:masterClrMapping/>
   </p:clrMapOvr>
+  <p:timing>
+    <p:tnLst>
+      <p:par>
+        <p:cTn id="1" dur="indefinite" restart="never" nodeType="tmRoot"/>
+      </p:par>
+    </p:tnLst>
+  </p:timing>
 </p:sld>
 </file>
 
@@ -16318,13 +16503,8 @@
             <a:pPr eaLnBrk="1" hangingPunct="1"/>
             <a:r>
               <a:rPr lang="de-DE" altLang="de-DE" dirty="0" smtClean="0"/>
-              <a:t>Aufgabe </a:t>
-            </a:r>
-            <a:r>
-              <a:rPr lang="de-DE" altLang="de-DE" dirty="0" smtClean="0"/>
-              <a:t>1c)</a:t>
-            </a:r>
-            <a:endParaRPr lang="de-DE" altLang="de-DE" dirty="0" smtClean="0"/>
+              <a:t>Aufgabe 1c)</a:t>
+            </a:r>
           </a:p>
         </p:txBody>
       </p:sp>
@@ -16448,6 +16628,13 @@
   <p:clrMapOvr>
     <a:masterClrMapping/>
   </p:clrMapOvr>
+  <p:timing>
+    <p:tnLst>
+      <p:par>
+        <p:cTn id="1" dur="indefinite" restart="never" nodeType="tmRoot"/>
+      </p:par>
+    </p:tnLst>
+  </p:timing>
 </p:sld>
 </file>
 
@@ -16486,13 +16673,8 @@
             <a:pPr eaLnBrk="1" hangingPunct="1"/>
             <a:r>
               <a:rPr lang="de-DE" altLang="de-DE" dirty="0" smtClean="0"/>
-              <a:t>Aufgabe </a:t>
-            </a:r>
-            <a:r>
-              <a:rPr lang="de-DE" altLang="de-DE" dirty="0" smtClean="0"/>
-              <a:t>1c)</a:t>
-            </a:r>
-            <a:endParaRPr lang="de-DE" altLang="de-DE" dirty="0" smtClean="0"/>
+              <a:t>Aufgabe 1c)</a:t>
+            </a:r>
           </a:p>
         </p:txBody>
       </p:sp>
@@ -17332,6 +17514,13 @@
   <p:clrMapOvr>
     <a:masterClrMapping/>
   </p:clrMapOvr>
+  <p:timing>
+    <p:tnLst>
+      <p:par>
+        <p:cTn id="1" dur="indefinite" restart="never" nodeType="tmRoot"/>
+      </p:par>
+    </p:tnLst>
+  </p:timing>
 </p:sld>
 </file>
 
@@ -17370,13 +17559,8 @@
             <a:pPr eaLnBrk="1" hangingPunct="1"/>
             <a:r>
               <a:rPr lang="de-DE" altLang="de-DE" dirty="0" smtClean="0"/>
-              <a:t>Aufgabe </a:t>
-            </a:r>
-            <a:r>
-              <a:rPr lang="de-DE" altLang="de-DE" dirty="0" smtClean="0"/>
-              <a:t>1d)</a:t>
-            </a:r>
-            <a:endParaRPr lang="de-DE" altLang="de-DE" dirty="0" smtClean="0"/>
+              <a:t>Aufgabe 1d)</a:t>
+            </a:r>
           </a:p>
         </p:txBody>
       </p:sp>
@@ -17428,15 +17612,23 @@
           <a:p>
             <a:r>
               <a:rPr lang="de-DE" sz="2800" dirty="0"/>
-              <a:t>Bestimmen Sie das oder die Nash-</a:t>
-            </a:r>
-            <a:r>
-              <a:rPr lang="de-DE" sz="2800" dirty="0" err="1"/>
+              <a:t>Bestimmen Sie das oder die </a:t>
+            </a:r>
+            <a:r>
+              <a:rPr lang="de-DE" sz="2800" dirty="0" smtClean="0"/>
+              <a:t>Nash-</a:t>
+            </a:r>
+            <a:r>
+              <a:rPr lang="de-DE" sz="2800" dirty="0" err="1" smtClean="0"/>
               <a:t>Equilibria</a:t>
             </a:r>
             <a:r>
+              <a:rPr lang="de-DE" sz="2800" dirty="0" smtClean="0"/>
+              <a:t>. </a:t>
+            </a:r>
+            <a:r>
               <a:rPr lang="de-DE" sz="2800" dirty="0"/>
-              <a:t>. Welche Methode haben Sie angewandt?</a:t>
+              <a:t>Welche Methode haben Sie angewandt?</a:t>
             </a:r>
             <a:endParaRPr lang="de-DE" altLang="de-DE" sz="2800" dirty="0" smtClean="0"/>
           </a:p>
@@ -17506,6 +17698,13 @@
   <p:clrMapOvr>
     <a:masterClrMapping/>
   </p:clrMapOvr>
+  <p:timing>
+    <p:tnLst>
+      <p:par>
+        <p:cTn id="1" dur="indefinite" restart="never" nodeType="tmRoot"/>
+      </p:par>
+    </p:tnLst>
+  </p:timing>
 </p:sld>
 </file>
 

--- a/Blatt-04/Präsi_Blatt04_Aufgabe2.pptx
+++ b/Blatt-04/Präsi_Blatt04_Aufgabe2.pptx
@@ -8196,8 +8196,25 @@
                   </a:schemeClr>
                 </a:solidFill>
               </a:rPr>
-              <a:t>18.11.2016					Patrick Eckhard, Carola Gajek, Stefan Witossek</a:t>
-            </a:r>
+              <a:t>18.11.2016					</a:t>
+            </a:r>
+            <a:r>
+              <a:rPr lang="de-DE" altLang="de-DE" sz="1400" kern="0" dirty="0" smtClean="0">
+                <a:solidFill>
+                  <a:schemeClr val="bg1">
+                    <a:lumMod val="50000"/>
+                  </a:schemeClr>
+                </a:solidFill>
+              </a:rPr>
+              <a:t>			Gruppe 10</a:t>
+            </a:r>
+            <a:endParaRPr lang="de-DE" altLang="de-DE" sz="1400" kern="0" dirty="0" smtClean="0">
+              <a:solidFill>
+                <a:schemeClr val="bg1">
+                  <a:lumMod val="50000"/>
+                </a:schemeClr>
+              </a:solidFill>
+            </a:endParaRPr>
           </a:p>
         </p:txBody>
       </p:sp>
@@ -9959,8 +9976,8 @@
           </a:p>
         </p:txBody>
       </p:sp>
-      <mc:AlternateContent xmlns:mc="http://schemas.openxmlformats.org/markup-compatibility/2006" xmlns:a14="http://schemas.microsoft.com/office/drawing/2010/main">
-        <mc:Choice Requires="a14">
+      <mc:AlternateContent xmlns:mc="http://schemas.openxmlformats.org/markup-compatibility/2006">
+        <mc:Choice xmlns:a14="http://schemas.microsoft.com/office/drawing/2010/main" Requires="a14">
           <p:sp>
             <p:nvSpPr>
               <p:cNvPr id="3" name="Inhaltsplatzhalter 2"/>
@@ -9980,13 +9997,17 @@
                   <a:buNone/>
                 </a:pPr>
                 <a:r>
+                  <a:rPr lang="de-DE" b="1" dirty="0" smtClean="0"/>
+                  <a:t>Gewinnaufteilung zwischen 2 Spielern</a:t>
+                </a:r>
+                <a:r>
                   <a:rPr lang="de-DE" dirty="0" smtClean="0"/>
-                  <a:t>Gewinnaufteilung zwischen 2 Spielern:</a:t>
+                  <a:t/>
                 </a:r>
                 <a:br>
                   <a:rPr lang="de-DE" dirty="0" smtClean="0"/>
                 </a:br>
-                <a:endParaRPr lang="de-DE" sz="1400" dirty="0" smtClean="0"/>
+                <a:endParaRPr lang="de-DE" sz="2800" dirty="0" smtClean="0"/>
               </a:p>
               <a:p>
                 <a:r>
@@ -10063,11 +10084,39 @@
                         <a:latin typeface="Cambria Math"/>
                         <a:ea typeface="Cambria Math"/>
                       </a:rPr>
-                      <m:t>∈[0,1]</m:t>
+                      <m:t>∈</m:t>
                     </m:r>
+                    <m:d>
+                      <m:dPr>
+                        <m:begChr m:val="["/>
+                        <m:endChr m:val="]"/>
+                        <m:ctrlPr>
+                          <a:rPr lang="de-DE" sz="2800" b="0" i="1" smtClean="0">
+                            <a:latin typeface="Cambria Math"/>
+                            <a:ea typeface="Cambria Math"/>
+                          </a:rPr>
+                        </m:ctrlPr>
+                      </m:dPr>
+                      <m:e>
+                        <m:r>
+                          <a:rPr lang="de-DE" sz="2800" b="0" i="1" smtClean="0">
+                            <a:latin typeface="Cambria Math"/>
+                            <a:ea typeface="Cambria Math"/>
+                          </a:rPr>
+                          <m:t>0,1</m:t>
+                        </m:r>
+                      </m:e>
+                    </m:d>
                   </m:oMath>
                 </a14:m>
-                <a:endParaRPr lang="de-DE" sz="2800" dirty="0" smtClean="0"/>
+                <a:r>
+                  <a:rPr lang="de-DE" sz="2800" dirty="0" smtClean="0"/>
+                  <a:t/>
+                </a:r>
+                <a:br>
+                  <a:rPr lang="de-DE" sz="2800" dirty="0" smtClean="0"/>
+                </a:br>
+                <a:endParaRPr lang="de-DE" sz="1200" dirty="0" smtClean="0"/>
               </a:p>
               <a:p>
                 <a:r>
@@ -10143,8 +10192,16 @@
                 </a14:m>
                 <a:r>
                   <a:rPr lang="de-DE" sz="2800" dirty="0" smtClean="0"/>
-                  <a:t>, dann bekommt jeder den gewünschten Anteil</a:t>
+                  <a:t>, dann bekommt jeder den gewünschten </a:t>
                 </a:r>
+                <a:r>
+                  <a:rPr lang="de-DE" sz="2800" dirty="0" smtClean="0"/>
+                  <a:t>Anteil</a:t>
+                </a:r>
+                <a:br>
+                  <a:rPr lang="de-DE" sz="2800" dirty="0" smtClean="0"/>
+                </a:br>
+                <a:endParaRPr lang="de-DE" sz="1200" dirty="0" smtClean="0"/>
               </a:p>
               <a:p>
                 <a:r>
@@ -10226,7 +10283,7 @@
             </p:txBody>
           </p:sp>
         </mc:Choice>
-        <mc:Fallback xmlns="">
+        <mc:Fallback>
           <p:sp>
             <p:nvSpPr>
               <p:cNvPr id="3" name="Inhaltsplatzhalter 2"/>
@@ -10473,8 +10530,25 @@
                   <a:srgbClr val="FF0000"/>
                 </a:solidFill>
               </a:rPr>
-              <a:t>Spieler 1:</a:t>
-            </a:r>
+              <a:t>Spieler 1</a:t>
+            </a:r>
+            <a:r>
+              <a:rPr lang="de-DE" sz="2800" dirty="0" smtClean="0">
+                <a:solidFill>
+                  <a:srgbClr val="FF0000"/>
+                </a:solidFill>
+              </a:rPr>
+              <a:t>:</a:t>
+            </a:r>
+            <a:r>
+              <a:rPr lang="de-DE" sz="2800" dirty="0" smtClean="0"/>
+              <a:t>   aktueller Gewinn: 0.3</a:t>
+            </a:r>
+            <a:endParaRPr lang="de-DE" sz="2800" dirty="0" smtClean="0">
+              <a:solidFill>
+                <a:srgbClr val="FF0000"/>
+              </a:solidFill>
+            </a:endParaRPr>
           </a:p>
           <a:p>
             <a:r>
@@ -10628,8 +10702,25 @@
                   <a:srgbClr val="00B0F0"/>
                 </a:solidFill>
               </a:rPr>
-              <a:t>Spieler 2:</a:t>
-            </a:r>
+              <a:t>Spieler 2</a:t>
+            </a:r>
+            <a:r>
+              <a:rPr lang="de-DE" sz="2800" dirty="0" smtClean="0">
+                <a:solidFill>
+                  <a:srgbClr val="00B0F0"/>
+                </a:solidFill>
+              </a:rPr>
+              <a:t>:   </a:t>
+            </a:r>
+            <a:r>
+              <a:rPr lang="de-DE" sz="2800" dirty="0" smtClean="0"/>
+              <a:t>aktueller Gewinn: 0.7</a:t>
+            </a:r>
+            <a:endParaRPr lang="de-DE" sz="2800" dirty="0" smtClean="0">
+              <a:solidFill>
+                <a:srgbClr val="00B0F0"/>
+              </a:solidFill>
+            </a:endParaRPr>
           </a:p>
           <a:p>
             <a:pPr>
@@ -11033,8 +11124,21 @@
                   <a:srgbClr val="FF0000"/>
                 </a:solidFill>
               </a:rPr>
-              <a:t>Spieler 1:</a:t>
-            </a:r>
+              <a:t>Spieler 1</a:t>
+            </a:r>
+            <a:r>
+              <a:rPr lang="de-DE" sz="2800" dirty="0" smtClean="0">
+                <a:solidFill>
+                  <a:srgbClr val="FF0000"/>
+                </a:solidFill>
+              </a:rPr>
+              <a:t>:   </a:t>
+            </a:r>
+            <a:r>
+              <a:rPr lang="de-DE" sz="2800" dirty="0" smtClean="0"/>
+              <a:t>aktueller Gewinn: 0</a:t>
+            </a:r>
+            <a:endParaRPr lang="de-DE" sz="2800" dirty="0" smtClean="0"/>
           </a:p>
           <a:p>
             <a:pPr>
@@ -11347,8 +11451,25 @@
                   <a:srgbClr val="00B0F0"/>
                 </a:solidFill>
               </a:rPr>
-              <a:t>Spieler 2:</a:t>
-            </a:r>
+              <a:t>Spieler 2</a:t>
+            </a:r>
+            <a:r>
+              <a:rPr lang="de-DE" sz="2800" dirty="0" smtClean="0">
+                <a:solidFill>
+                  <a:srgbClr val="00B0F0"/>
+                </a:solidFill>
+              </a:rPr>
+              <a:t>:   </a:t>
+            </a:r>
+            <a:r>
+              <a:rPr lang="de-DE" sz="2800" dirty="0" smtClean="0"/>
+              <a:t>aktueller Gewinn: 0</a:t>
+            </a:r>
+            <a:endParaRPr lang="de-DE" sz="2800" dirty="0" smtClean="0">
+              <a:solidFill>
+                <a:srgbClr val="00B0F0"/>
+              </a:solidFill>
+            </a:endParaRPr>
           </a:p>
           <a:p>
             <a:pPr>
@@ -11598,8 +11719,8 @@
           </a:p>
         </p:txBody>
       </p:sp>
-      <mc:AlternateContent xmlns:mc="http://schemas.openxmlformats.org/markup-compatibility/2006" xmlns:a14="http://schemas.microsoft.com/office/drawing/2010/main">
-        <mc:Choice Requires="a14">
+      <mc:AlternateContent xmlns:mc="http://schemas.openxmlformats.org/markup-compatibility/2006">
+        <mc:Choice xmlns:a14="http://schemas.microsoft.com/office/drawing/2010/main" Requires="a14">
           <p:sp>
             <p:nvSpPr>
               <p:cNvPr id="3" name="Inhaltsplatzhalter 2"/>
@@ -11619,13 +11740,17 @@
                   <a:buNone/>
                 </a:pPr>
                 <a:r>
+                  <a:rPr lang="de-DE" b="1" dirty="0" smtClean="0"/>
+                  <a:t>Bertrand-Duopol</a:t>
+                </a:r>
+                <a:r>
                   <a:rPr lang="de-DE" dirty="0" smtClean="0"/>
-                  <a:t>Bertrand-Duopol</a:t>
+                  <a:t/>
                 </a:r>
                 <a:br>
                   <a:rPr lang="de-DE" dirty="0" smtClean="0"/>
                 </a:br>
-                <a:endParaRPr lang="de-DE" sz="1400" dirty="0" smtClean="0"/>
+                <a:endParaRPr lang="de-DE" sz="2400" dirty="0" smtClean="0"/>
               </a:p>
               <a:p>
                 <a:r>
@@ -12271,7 +12396,7 @@
             </p:txBody>
           </p:sp>
         </mc:Choice>
-        <mc:Fallback xmlns="">
+        <mc:Fallback>
           <p:sp>
             <p:nvSpPr>
               <p:cNvPr id="3" name="Inhaltsplatzhalter 2"/>
@@ -12487,8 +12612,8 @@
           </a:p>
         </p:txBody>
       </p:sp>
-      <mc:AlternateContent xmlns:mc="http://schemas.openxmlformats.org/markup-compatibility/2006" xmlns:a14="http://schemas.microsoft.com/office/drawing/2010/main">
-        <mc:Choice Requires="a14">
+      <mc:AlternateContent xmlns:mc="http://schemas.openxmlformats.org/markup-compatibility/2006">
+        <mc:Choice xmlns:a14="http://schemas.microsoft.com/office/drawing/2010/main" Requires="a14">
           <p:sp>
             <p:nvSpPr>
               <p:cNvPr id="3" name="Inhaltsplatzhalter 2"/>
@@ -12626,7 +12751,7 @@
                 </a:r>
                 <a:r>
                   <a:rPr lang="de-DE" sz="2800" dirty="0" smtClean="0"/>
-                  <a:t>„Gewinn“  </a:t>
+                  <a:t>aktueller „Gewinn“:  </a:t>
                 </a:r>
                 <a14:m>
                   <m:oMath xmlns:m="http://schemas.openxmlformats.org/officeDocument/2006/math">
@@ -12716,7 +12841,7 @@
             </p:txBody>
           </p:sp>
         </mc:Choice>
-        <mc:Fallback xmlns="">
+        <mc:Fallback>
           <p:sp>
             <p:nvSpPr>
               <p:cNvPr id="3" name="Inhaltsplatzhalter 2"/>
@@ -13044,8 +13169,8 @@
           </a:p>
         </p:txBody>
       </p:sp>
-      <mc:AlternateContent xmlns:mc="http://schemas.openxmlformats.org/markup-compatibility/2006" xmlns:a14="http://schemas.microsoft.com/office/drawing/2010/main">
-        <mc:Choice Requires="a14">
+      <mc:AlternateContent xmlns:mc="http://schemas.openxmlformats.org/markup-compatibility/2006">
+        <mc:Choice xmlns:a14="http://schemas.microsoft.com/office/drawing/2010/main" Requires="a14">
           <p:sp>
             <p:nvSpPr>
               <p:cNvPr id="3" name="Inhaltsplatzhalter 2"/>
@@ -13183,7 +13308,15 @@
                 </a:r>
                 <a:r>
                   <a:rPr lang="de-DE" sz="2800" dirty="0" smtClean="0"/>
-                  <a:t>  Gewinn: 0</a:t>
+                  <a:t>  </a:t>
+                </a:r>
+                <a:r>
+                  <a:rPr lang="de-DE" sz="2800" dirty="0" smtClean="0"/>
+                  <a:t>aktueller Gewinn</a:t>
+                </a:r>
+                <a:r>
+                  <a:rPr lang="de-DE" sz="2800" dirty="0" smtClean="0"/>
+                  <a:t>: 0</a:t>
                 </a:r>
                 <a:endParaRPr lang="de-DE" sz="2800" dirty="0" smtClean="0">
                   <a:solidFill>
@@ -13275,7 +13408,7 @@
             </p:txBody>
           </p:sp>
         </mc:Choice>
-        <mc:Fallback xmlns="">
+        <mc:Fallback>
           <p:sp>
             <p:nvSpPr>
               <p:cNvPr id="3" name="Inhaltsplatzhalter 2"/>
@@ -13369,8 +13502,8 @@
           </a:p>
         </p:txBody>
       </p:sp>
-      <mc:AlternateContent xmlns:mc="http://schemas.openxmlformats.org/markup-compatibility/2006" xmlns:a14="http://schemas.microsoft.com/office/drawing/2010/main">
-        <mc:Choice Requires="a14">
+      <mc:AlternateContent xmlns:mc="http://schemas.openxmlformats.org/markup-compatibility/2006">
+        <mc:Choice xmlns:a14="http://schemas.microsoft.com/office/drawing/2010/main" Requires="a14">
           <p:sp>
             <p:nvSpPr>
               <p:cNvPr id="3" name="Inhaltsplatzhalter 2"/>
@@ -13516,7 +13649,15 @@
                 </a:r>
                 <a:r>
                   <a:rPr lang="de-DE" sz="2800" dirty="0" smtClean="0"/>
-                  <a:t>  „Gewinn“:  </a:t>
+                  <a:t>  </a:t>
+                </a:r>
+                <a:r>
+                  <a:rPr lang="de-DE" sz="2800" dirty="0" smtClean="0"/>
+                  <a:t>aktueller „Gewinn</a:t>
+                </a:r>
+                <a:r>
+                  <a:rPr lang="de-DE" sz="2800" dirty="0" smtClean="0"/>
+                  <a:t>“:  </a:t>
                 </a:r>
                 <a14:m>
                   <m:oMath xmlns:m="http://schemas.openxmlformats.org/officeDocument/2006/math">
@@ -13577,7 +13718,7 @@
             </p:txBody>
           </p:sp>
         </mc:Choice>
-        <mc:Fallback xmlns="">
+        <mc:Fallback>
           <p:sp>
             <p:nvSpPr>
               <p:cNvPr id="3" name="Inhaltsplatzhalter 2"/>
@@ -14810,7 +14951,11 @@
                 </a:r>
                 <a:r>
                   <a:rPr lang="de-DE" sz="2800" dirty="0" smtClean="0"/>
-                  <a:t>Gewinn: 0</a:t>
+                  <a:t>aktueller Gewinn</a:t>
+                </a:r>
+                <a:r>
+                  <a:rPr lang="de-DE" sz="2800" dirty="0" smtClean="0"/>
+                  <a:t>: 0</a:t>
                 </a:r>
               </a:p>
               <a:p>
@@ -14821,23 +14966,13 @@
                 </a:pPr>
                 <a:r>
                   <a:rPr lang="de-DE" sz="2800" dirty="0" smtClean="0"/>
-                  <a:t>Preis </a:t>
-                </a:r>
-                <a:r>
-                  <a:rPr lang="de-DE" sz="2800" dirty="0" smtClean="0"/>
-                  <a:t>anheben 	</a:t>
+                  <a:t>Preis anheben 	</a:t>
                 </a:r>
                 <a:r>
                   <a:rPr lang="de-DE" sz="2800" dirty="0" smtClean="0">
                     <a:sym typeface="Wingdings" panose="05000000000000000000" pitchFamily="2" charset="2"/>
                   </a:rPr>
-                  <a:t> </a:t>
-                </a:r>
-                <a:r>
-                  <a:rPr lang="de-DE" sz="2800" dirty="0" smtClean="0">
-                    <a:sym typeface="Wingdings" panose="05000000000000000000" pitchFamily="2" charset="2"/>
-                  </a:rPr>
-                  <a:t>Gewinn 0</a:t>
+                  <a:t> Gewinn 0</a:t>
                 </a:r>
               </a:p>
               <a:p>
@@ -14862,19 +14997,7 @@
                   <a:rPr lang="de-DE" sz="2800" dirty="0" smtClean="0">
                     <a:sym typeface="Wingdings" panose="05000000000000000000" pitchFamily="2" charset="2"/>
                   </a:rPr>
-                  <a:t>	</a:t>
-                </a:r>
-                <a:r>
-                  <a:rPr lang="de-DE" sz="2800" dirty="0" smtClean="0">
-                    <a:sym typeface="Wingdings" panose="05000000000000000000" pitchFamily="2" charset="2"/>
-                  </a:rPr>
-                  <a:t> </a:t>
-                </a:r>
-                <a:r>
-                  <a:rPr lang="de-DE" sz="2800" dirty="0" smtClean="0">
-                    <a:sym typeface="Wingdings" panose="05000000000000000000" pitchFamily="2" charset="2"/>
-                  </a:rPr>
-                  <a:t>Gewinn sinkt auf </a:t>
+                  <a:t>	 Gewinn sinkt auf </a:t>
                 </a:r>
                 <a14:m>
                   <m:oMath xmlns:m="http://schemas.openxmlformats.org/officeDocument/2006/math">

--- a/Blatt-04/Präsi_Blatt04_Aufgabe2.pptx
+++ b/Blatt-04/Präsi_Blatt04_Aufgabe2.pptx
@@ -8196,25 +8196,8 @@
                   </a:schemeClr>
                 </a:solidFill>
               </a:rPr>
-              <a:t>18.11.2016					</a:t>
-            </a:r>
-            <a:r>
-              <a:rPr lang="de-DE" altLang="de-DE" sz="1400" kern="0" dirty="0" smtClean="0">
-                <a:solidFill>
-                  <a:schemeClr val="bg1">
-                    <a:lumMod val="50000"/>
-                  </a:schemeClr>
-                </a:solidFill>
-              </a:rPr>
-              <a:t>			Gruppe 10</a:t>
-            </a:r>
-            <a:endParaRPr lang="de-DE" altLang="de-DE" sz="1400" kern="0" dirty="0" smtClean="0">
-              <a:solidFill>
-                <a:schemeClr val="bg1">
-                  <a:lumMod val="50000"/>
-                </a:schemeClr>
-              </a:solidFill>
-            </a:endParaRPr>
+              <a:t>18.11.2016								Gruppe 10</a:t>
+            </a:r>
           </a:p>
         </p:txBody>
       </p:sp>
@@ -8223,6 +8206,14 @@
   <p:clrMapOvr>
     <a:masterClrMapping/>
   </p:clrMapOvr>
+  <mc:AlternateContent xmlns:mc="http://schemas.openxmlformats.org/markup-compatibility/2006">
+    <mc:Choice xmlns:p14="http://schemas.microsoft.com/office/powerpoint/2010/main" Requires="p14">
+      <p:transition spd="slow" p14:dur="2000" advTm="4365"/>
+    </mc:Choice>
+    <mc:Fallback>
+      <p:transition spd="slow" advTm="4365"/>
+    </mc:Fallback>
+  </mc:AlternateContent>
   <p:timing>
     <p:tnLst>
       <p:par>
@@ -8268,7 +8259,15 @@
             <a:pPr eaLnBrk="1" hangingPunct="1"/>
             <a:r>
               <a:rPr lang="de-DE" altLang="de-DE" dirty="0" smtClean="0"/>
-              <a:t>Aufgabe 1d)</a:t>
+              <a:t>Aufgabe </a:t>
+            </a:r>
+            <a:r>
+              <a:rPr lang="de-DE" altLang="de-DE" dirty="0" smtClean="0"/>
+              <a:t>2d</a:t>
+            </a:r>
+            <a:r>
+              <a:rPr lang="de-DE" altLang="de-DE" dirty="0" smtClean="0"/>
+              <a:t>)</a:t>
             </a:r>
           </a:p>
         </p:txBody>
@@ -8750,7 +8749,15 @@
             <a:pPr eaLnBrk="1" hangingPunct="1"/>
             <a:r>
               <a:rPr lang="de-DE" altLang="de-DE" dirty="0" smtClean="0"/>
-              <a:t>Aufgabe 1d)</a:t>
+              <a:t>Aufgabe </a:t>
+            </a:r>
+            <a:r>
+              <a:rPr lang="de-DE" altLang="de-DE" dirty="0" smtClean="0"/>
+              <a:t>2d</a:t>
+            </a:r>
+            <a:r>
+              <a:rPr lang="de-DE" altLang="de-DE" dirty="0" smtClean="0"/>
+              <a:t>)</a:t>
             </a:r>
           </a:p>
         </p:txBody>
@@ -9244,7 +9251,15 @@
             <a:pPr eaLnBrk="1" hangingPunct="1"/>
             <a:r>
               <a:rPr lang="de-DE" altLang="de-DE" dirty="0" smtClean="0"/>
-              <a:t>Aufgabe 1d)</a:t>
+              <a:t>Aufgabe </a:t>
+            </a:r>
+            <a:r>
+              <a:rPr lang="de-DE" altLang="de-DE" dirty="0" smtClean="0"/>
+              <a:t>2d</a:t>
+            </a:r>
+            <a:r>
+              <a:rPr lang="de-DE" altLang="de-DE" dirty="0" smtClean="0"/>
+              <a:t>)</a:t>
             </a:r>
           </a:p>
         </p:txBody>
@@ -9970,14 +9985,22 @@
           <a:p>
             <a:r>
               <a:rPr lang="de-DE" dirty="0" smtClean="0"/>
-              <a:t>Aufgabe 1e)</a:t>
+              <a:t>Aufgabe </a:t>
+            </a:r>
+            <a:r>
+              <a:rPr lang="de-DE" dirty="0" smtClean="0"/>
+              <a:t>2e</a:t>
+            </a:r>
+            <a:r>
+              <a:rPr lang="de-DE" dirty="0" smtClean="0"/>
+              <a:t>)</a:t>
             </a:r>
             <a:endParaRPr lang="de-DE" dirty="0"/>
           </a:p>
         </p:txBody>
       </p:sp>
-      <mc:AlternateContent xmlns:mc="http://schemas.openxmlformats.org/markup-compatibility/2006">
-        <mc:Choice xmlns:a14="http://schemas.microsoft.com/office/drawing/2010/main" Requires="a14">
+      <mc:AlternateContent xmlns:mc="http://schemas.openxmlformats.org/markup-compatibility/2006" xmlns:a14="http://schemas.microsoft.com/office/drawing/2010/main">
+        <mc:Choice Requires="a14">
           <p:sp>
             <p:nvSpPr>
               <p:cNvPr id="3" name="Inhaltsplatzhalter 2"/>
@@ -10192,11 +10215,7 @@
                 </a14:m>
                 <a:r>
                   <a:rPr lang="de-DE" sz="2800" dirty="0" smtClean="0"/>
-                  <a:t>, dann bekommt jeder den gewünschten </a:t>
-                </a:r>
-                <a:r>
-                  <a:rPr lang="de-DE" sz="2800" dirty="0" smtClean="0"/>
-                  <a:t>Anteil</a:t>
+                  <a:t>, dann bekommt jeder den gewünschten Anteil</a:t>
                 </a:r>
                 <a:br>
                   <a:rPr lang="de-DE" sz="2800" dirty="0" smtClean="0"/>
@@ -10283,7 +10302,7 @@
             </p:txBody>
           </p:sp>
         </mc:Choice>
-        <mc:Fallback>
+        <mc:Fallback xmlns="">
           <p:sp>
             <p:nvSpPr>
               <p:cNvPr id="3" name="Inhaltsplatzhalter 2"/>
@@ -10371,7 +10390,15 @@
           <a:p>
             <a:r>
               <a:rPr lang="de-DE" dirty="0" smtClean="0"/>
-              <a:t>Aufgabe 1e)</a:t>
+              <a:t>Aufgabe </a:t>
+            </a:r>
+            <a:r>
+              <a:rPr lang="de-DE" dirty="0" smtClean="0"/>
+              <a:t>2e</a:t>
+            </a:r>
+            <a:r>
+              <a:rPr lang="de-DE" dirty="0" smtClean="0"/>
+              <a:t>)</a:t>
             </a:r>
             <a:endParaRPr lang="de-DE" dirty="0"/>
           </a:p>
@@ -10478,7 +10505,15 @@
           <a:p>
             <a:r>
               <a:rPr lang="de-DE" dirty="0" smtClean="0"/>
-              <a:t>Aufgabe 1e)</a:t>
+              <a:t>Aufgabe </a:t>
+            </a:r>
+            <a:r>
+              <a:rPr lang="de-DE" dirty="0" smtClean="0"/>
+              <a:t>2e</a:t>
+            </a:r>
+            <a:r>
+              <a:rPr lang="de-DE" dirty="0" smtClean="0"/>
+              <a:t>)</a:t>
             </a:r>
             <a:endParaRPr lang="de-DE" dirty="0"/>
           </a:p>
@@ -10530,15 +10565,7 @@
                   <a:srgbClr val="FF0000"/>
                 </a:solidFill>
               </a:rPr>
-              <a:t>Spieler 1</a:t>
-            </a:r>
-            <a:r>
-              <a:rPr lang="de-DE" sz="2800" dirty="0" smtClean="0">
-                <a:solidFill>
-                  <a:srgbClr val="FF0000"/>
-                </a:solidFill>
-              </a:rPr>
-              <a:t>:</a:t>
+              <a:t>Spieler 1:</a:t>
             </a:r>
             <a:r>
               <a:rPr lang="de-DE" sz="2800" dirty="0" smtClean="0"/>
@@ -10650,7 +10677,15 @@
           <a:p>
             <a:r>
               <a:rPr lang="de-DE" dirty="0" smtClean="0"/>
-              <a:t>Aufgabe 1e)</a:t>
+              <a:t>Aufgabe </a:t>
+            </a:r>
+            <a:r>
+              <a:rPr lang="de-DE" dirty="0" smtClean="0"/>
+              <a:t>2e</a:t>
+            </a:r>
+            <a:r>
+              <a:rPr lang="de-DE" dirty="0" smtClean="0"/>
+              <a:t>)</a:t>
             </a:r>
             <a:endParaRPr lang="de-DE" dirty="0"/>
           </a:p>
@@ -10702,15 +10737,7 @@
                   <a:srgbClr val="00B0F0"/>
                 </a:solidFill>
               </a:rPr>
-              <a:t>Spieler 2</a:t>
-            </a:r>
-            <a:r>
-              <a:rPr lang="de-DE" sz="2800" dirty="0" smtClean="0">
-                <a:solidFill>
-                  <a:srgbClr val="00B0F0"/>
-                </a:solidFill>
-              </a:rPr>
-              <a:t>:   </a:t>
+              <a:t>Spieler 2:   </a:t>
             </a:r>
             <a:r>
               <a:rPr lang="de-DE" sz="2800" dirty="0" smtClean="0"/>
@@ -10824,7 +10851,15 @@
           <a:p>
             <a:r>
               <a:rPr lang="de-DE" dirty="0" smtClean="0"/>
-              <a:t>Aufgabe 1e)</a:t>
+              <a:t>Aufgabe </a:t>
+            </a:r>
+            <a:r>
+              <a:rPr lang="de-DE" dirty="0" smtClean="0"/>
+              <a:t>2e</a:t>
+            </a:r>
+            <a:r>
+              <a:rPr lang="de-DE" dirty="0" smtClean="0"/>
+              <a:t>)</a:t>
             </a:r>
             <a:endParaRPr lang="de-DE" dirty="0"/>
           </a:p>
@@ -10948,7 +10983,15 @@
           <a:p>
             <a:r>
               <a:rPr lang="de-DE" dirty="0" smtClean="0"/>
-              <a:t>Aufgabe 1e)</a:t>
+              <a:t>Aufgabe </a:t>
+            </a:r>
+            <a:r>
+              <a:rPr lang="de-DE" dirty="0" smtClean="0"/>
+              <a:t>2e</a:t>
+            </a:r>
+            <a:r>
+              <a:rPr lang="de-DE" dirty="0" smtClean="0"/>
+              <a:t>)</a:t>
             </a:r>
             <a:endParaRPr lang="de-DE" dirty="0"/>
           </a:p>
@@ -11072,7 +11115,15 @@
           <a:p>
             <a:r>
               <a:rPr lang="de-DE" dirty="0" smtClean="0"/>
-              <a:t>Aufgabe 1e)</a:t>
+              <a:t>Aufgabe </a:t>
+            </a:r>
+            <a:r>
+              <a:rPr lang="de-DE" dirty="0" smtClean="0"/>
+              <a:t>2e</a:t>
+            </a:r>
+            <a:r>
+              <a:rPr lang="de-DE" dirty="0" smtClean="0"/>
+              <a:t>)</a:t>
             </a:r>
             <a:endParaRPr lang="de-DE" dirty="0"/>
           </a:p>
@@ -11124,21 +11175,12 @@
                   <a:srgbClr val="FF0000"/>
                 </a:solidFill>
               </a:rPr>
-              <a:t>Spieler 1</a:t>
-            </a:r>
-            <a:r>
-              <a:rPr lang="de-DE" sz="2800" dirty="0" smtClean="0">
-                <a:solidFill>
-                  <a:srgbClr val="FF0000"/>
-                </a:solidFill>
-              </a:rPr>
-              <a:t>:   </a:t>
+              <a:t>Spieler 1:   </a:t>
             </a:r>
             <a:r>
               <a:rPr lang="de-DE" sz="2800" dirty="0" smtClean="0"/>
               <a:t>aktueller Gewinn: 0</a:t>
             </a:r>
-            <a:endParaRPr lang="de-DE" sz="2800" dirty="0" smtClean="0"/>
           </a:p>
           <a:p>
             <a:pPr>
@@ -11238,8 +11280,16 @@
           <a:p>
             <a:pPr eaLnBrk="1" hangingPunct="1"/>
             <a:r>
-              <a:rPr lang="de-DE" altLang="de-DE" smtClean="0"/>
-              <a:t>Aufgabe 1a)</a:t>
+              <a:rPr lang="de-DE" altLang="de-DE" dirty="0" smtClean="0"/>
+              <a:t>Aufgabe </a:t>
+            </a:r>
+            <a:r>
+              <a:rPr lang="de-DE" altLang="de-DE" dirty="0" smtClean="0"/>
+              <a:t>2a</a:t>
+            </a:r>
+            <a:r>
+              <a:rPr lang="de-DE" altLang="de-DE" dirty="0" smtClean="0"/>
+              <a:t>)</a:t>
             </a:r>
           </a:p>
         </p:txBody>
@@ -11399,7 +11449,15 @@
           <a:p>
             <a:r>
               <a:rPr lang="de-DE" dirty="0" smtClean="0"/>
-              <a:t>Aufgabe 1e)</a:t>
+              <a:t>Aufgabe </a:t>
+            </a:r>
+            <a:r>
+              <a:rPr lang="de-DE" dirty="0" smtClean="0"/>
+              <a:t>2e</a:t>
+            </a:r>
+            <a:r>
+              <a:rPr lang="de-DE" dirty="0" smtClean="0"/>
+              <a:t>)</a:t>
             </a:r>
             <a:endParaRPr lang="de-DE" dirty="0"/>
           </a:p>
@@ -11451,15 +11509,7 @@
                   <a:srgbClr val="00B0F0"/>
                 </a:solidFill>
               </a:rPr>
-              <a:t>Spieler 2</a:t>
-            </a:r>
-            <a:r>
-              <a:rPr lang="de-DE" sz="2800" dirty="0" smtClean="0">
-                <a:solidFill>
-                  <a:srgbClr val="00B0F0"/>
-                </a:solidFill>
-              </a:rPr>
-              <a:t>:   </a:t>
+              <a:t>Spieler 2:   </a:t>
             </a:r>
             <a:r>
               <a:rPr lang="de-DE" sz="2800" dirty="0" smtClean="0"/>
@@ -11581,7 +11631,15 @@
           <a:p>
             <a:r>
               <a:rPr lang="de-DE" dirty="0" smtClean="0"/>
-              <a:t>Aufgabe 1e)</a:t>
+              <a:t>Aufgabe </a:t>
+            </a:r>
+            <a:r>
+              <a:rPr lang="de-DE" dirty="0" smtClean="0"/>
+              <a:t>2e</a:t>
+            </a:r>
+            <a:r>
+              <a:rPr lang="de-DE" dirty="0" smtClean="0"/>
+              <a:t>)</a:t>
             </a:r>
             <a:endParaRPr lang="de-DE" dirty="0"/>
           </a:p>
@@ -11713,14 +11771,22 @@
           <a:p>
             <a:r>
               <a:rPr lang="de-DE" dirty="0" smtClean="0"/>
-              <a:t>Aufgabe 1f)</a:t>
+              <a:t>Aufgabe </a:t>
+            </a:r>
+            <a:r>
+              <a:rPr lang="de-DE" dirty="0" smtClean="0"/>
+              <a:t>2f</a:t>
+            </a:r>
+            <a:r>
+              <a:rPr lang="de-DE" dirty="0" smtClean="0"/>
+              <a:t>)</a:t>
             </a:r>
             <a:endParaRPr lang="de-DE" dirty="0"/>
           </a:p>
         </p:txBody>
       </p:sp>
-      <mc:AlternateContent xmlns:mc="http://schemas.openxmlformats.org/markup-compatibility/2006">
-        <mc:Choice xmlns:a14="http://schemas.microsoft.com/office/drawing/2010/main" Requires="a14">
+      <mc:AlternateContent xmlns:mc="http://schemas.openxmlformats.org/markup-compatibility/2006" xmlns:a14="http://schemas.microsoft.com/office/drawing/2010/main">
+        <mc:Choice Requires="a14">
           <p:sp>
             <p:nvSpPr>
               <p:cNvPr id="3" name="Inhaltsplatzhalter 2"/>
@@ -12396,7 +12462,7 @@
             </p:txBody>
           </p:sp>
         </mc:Choice>
-        <mc:Fallback>
+        <mc:Fallback xmlns="">
           <p:sp>
             <p:nvSpPr>
               <p:cNvPr id="3" name="Inhaltsplatzhalter 2"/>
@@ -12484,7 +12550,15 @@
           <a:p>
             <a:r>
               <a:rPr lang="de-DE" dirty="0" smtClean="0"/>
-              <a:t>Aufgabe 1f)</a:t>
+              <a:t>Aufgabe </a:t>
+            </a:r>
+            <a:r>
+              <a:rPr lang="de-DE" dirty="0" smtClean="0"/>
+              <a:t>2f</a:t>
+            </a:r>
+            <a:r>
+              <a:rPr lang="de-DE" dirty="0" smtClean="0"/>
+              <a:t>)</a:t>
             </a:r>
             <a:endParaRPr lang="de-DE" dirty="0"/>
           </a:p>
@@ -12606,14 +12680,22 @@
           <a:p>
             <a:r>
               <a:rPr lang="de-DE" dirty="0" smtClean="0"/>
-              <a:t>Aufgabe 1f)</a:t>
+              <a:t>Aufgabe </a:t>
+            </a:r>
+            <a:r>
+              <a:rPr lang="de-DE" dirty="0" smtClean="0"/>
+              <a:t>2f</a:t>
+            </a:r>
+            <a:r>
+              <a:rPr lang="de-DE" dirty="0" smtClean="0"/>
+              <a:t>)</a:t>
             </a:r>
             <a:endParaRPr lang="de-DE" dirty="0"/>
           </a:p>
         </p:txBody>
       </p:sp>
-      <mc:AlternateContent xmlns:mc="http://schemas.openxmlformats.org/markup-compatibility/2006">
-        <mc:Choice xmlns:a14="http://schemas.microsoft.com/office/drawing/2010/main" Requires="a14">
+      <mc:AlternateContent xmlns:mc="http://schemas.openxmlformats.org/markup-compatibility/2006" xmlns:a14="http://schemas.microsoft.com/office/drawing/2010/main">
+        <mc:Choice Requires="a14">
           <p:sp>
             <p:nvSpPr>
               <p:cNvPr id="3" name="Inhaltsplatzhalter 2"/>
@@ -12841,7 +12923,7 @@
             </p:txBody>
           </p:sp>
         </mc:Choice>
-        <mc:Fallback>
+        <mc:Fallback xmlns="">
           <p:sp>
             <p:nvSpPr>
               <p:cNvPr id="3" name="Inhaltsplatzhalter 2"/>
@@ -12929,7 +13011,15 @@
           <a:p>
             <a:r>
               <a:rPr lang="de-DE" dirty="0" smtClean="0"/>
-              <a:t>Aufgabe 1f)</a:t>
+              <a:t>Aufgabe </a:t>
+            </a:r>
+            <a:r>
+              <a:rPr lang="de-DE" dirty="0" smtClean="0"/>
+              <a:t>2f</a:t>
+            </a:r>
+            <a:r>
+              <a:rPr lang="de-DE" dirty="0" smtClean="0"/>
+              <a:t>)</a:t>
             </a:r>
             <a:endParaRPr lang="de-DE" dirty="0"/>
           </a:p>
@@ -13163,14 +13253,22 @@
           <a:p>
             <a:r>
               <a:rPr lang="de-DE" dirty="0" smtClean="0"/>
-              <a:t>Aufgabe 1f)</a:t>
+              <a:t>Aufgabe </a:t>
+            </a:r>
+            <a:r>
+              <a:rPr lang="de-DE" dirty="0" smtClean="0"/>
+              <a:t>2f</a:t>
+            </a:r>
+            <a:r>
+              <a:rPr lang="de-DE" dirty="0" smtClean="0"/>
+              <a:t>)</a:t>
             </a:r>
             <a:endParaRPr lang="de-DE" dirty="0"/>
           </a:p>
         </p:txBody>
       </p:sp>
-      <mc:AlternateContent xmlns:mc="http://schemas.openxmlformats.org/markup-compatibility/2006">
-        <mc:Choice xmlns:a14="http://schemas.microsoft.com/office/drawing/2010/main" Requires="a14">
+      <mc:AlternateContent xmlns:mc="http://schemas.openxmlformats.org/markup-compatibility/2006" xmlns:a14="http://schemas.microsoft.com/office/drawing/2010/main">
+        <mc:Choice Requires="a14">
           <p:sp>
             <p:nvSpPr>
               <p:cNvPr id="3" name="Inhaltsplatzhalter 2"/>
@@ -13308,15 +13406,7 @@
                 </a:r>
                 <a:r>
                   <a:rPr lang="de-DE" sz="2800" dirty="0" smtClean="0"/>
-                  <a:t>  </a:t>
-                </a:r>
-                <a:r>
-                  <a:rPr lang="de-DE" sz="2800" dirty="0" smtClean="0"/>
-                  <a:t>aktueller Gewinn</a:t>
-                </a:r>
-                <a:r>
-                  <a:rPr lang="de-DE" sz="2800" dirty="0" smtClean="0"/>
-                  <a:t>: 0</a:t>
+                  <a:t>  aktueller Gewinn: 0</a:t>
                 </a:r>
                 <a:endParaRPr lang="de-DE" sz="2800" dirty="0" smtClean="0">
                   <a:solidFill>
@@ -13408,7 +13498,7 @@
             </p:txBody>
           </p:sp>
         </mc:Choice>
-        <mc:Fallback>
+        <mc:Fallback xmlns="">
           <p:sp>
             <p:nvSpPr>
               <p:cNvPr id="3" name="Inhaltsplatzhalter 2"/>
@@ -13496,14 +13586,22 @@
           <a:p>
             <a:r>
               <a:rPr lang="de-DE" dirty="0" smtClean="0"/>
-              <a:t>Aufgabe 1f)</a:t>
+              <a:t>Aufgabe </a:t>
+            </a:r>
+            <a:r>
+              <a:rPr lang="de-DE" dirty="0" smtClean="0"/>
+              <a:t>2f</a:t>
+            </a:r>
+            <a:r>
+              <a:rPr lang="de-DE" dirty="0" smtClean="0"/>
+              <a:t>)</a:t>
             </a:r>
             <a:endParaRPr lang="de-DE" dirty="0"/>
           </a:p>
         </p:txBody>
       </p:sp>
-      <mc:AlternateContent xmlns:mc="http://schemas.openxmlformats.org/markup-compatibility/2006">
-        <mc:Choice xmlns:a14="http://schemas.microsoft.com/office/drawing/2010/main" Requires="a14">
+      <mc:AlternateContent xmlns:mc="http://schemas.openxmlformats.org/markup-compatibility/2006" xmlns:a14="http://schemas.microsoft.com/office/drawing/2010/main">
+        <mc:Choice Requires="a14">
           <p:sp>
             <p:nvSpPr>
               <p:cNvPr id="3" name="Inhaltsplatzhalter 2"/>
@@ -13649,15 +13747,7 @@
                 </a:r>
                 <a:r>
                   <a:rPr lang="de-DE" sz="2800" dirty="0" smtClean="0"/>
-                  <a:t>  </a:t>
-                </a:r>
-                <a:r>
-                  <a:rPr lang="de-DE" sz="2800" dirty="0" smtClean="0"/>
-                  <a:t>aktueller „Gewinn</a:t>
-                </a:r>
-                <a:r>
-                  <a:rPr lang="de-DE" sz="2800" dirty="0" smtClean="0"/>
-                  <a:t>“:  </a:t>
+                  <a:t>  aktueller „Gewinn“:  </a:t>
                 </a:r>
                 <a14:m>
                   <m:oMath xmlns:m="http://schemas.openxmlformats.org/officeDocument/2006/math">
@@ -13718,7 +13808,7 @@
             </p:txBody>
           </p:sp>
         </mc:Choice>
-        <mc:Fallback>
+        <mc:Fallback xmlns="">
           <p:sp>
             <p:nvSpPr>
               <p:cNvPr id="3" name="Inhaltsplatzhalter 2"/>
@@ -13806,7 +13896,15 @@
           <a:p>
             <a:r>
               <a:rPr lang="de-DE" dirty="0" smtClean="0"/>
-              <a:t>Aufgabe 1f)</a:t>
+              <a:t>Aufgabe </a:t>
+            </a:r>
+            <a:r>
+              <a:rPr lang="de-DE" dirty="0" smtClean="0"/>
+              <a:t>2f</a:t>
+            </a:r>
+            <a:r>
+              <a:rPr lang="de-DE" dirty="0" smtClean="0"/>
+              <a:t>)</a:t>
             </a:r>
             <a:endParaRPr lang="de-DE" dirty="0"/>
           </a:p>
@@ -14040,7 +14138,15 @@
           <a:p>
             <a:r>
               <a:rPr lang="de-DE" dirty="0" smtClean="0"/>
-              <a:t>Aufgabe 1f)</a:t>
+              <a:t>Aufgabe </a:t>
+            </a:r>
+            <a:r>
+              <a:rPr lang="de-DE" dirty="0" smtClean="0"/>
+              <a:t>2f</a:t>
+            </a:r>
+            <a:r>
+              <a:rPr lang="de-DE" dirty="0" smtClean="0"/>
+              <a:t>)</a:t>
             </a:r>
             <a:endParaRPr lang="de-DE" dirty="0"/>
           </a:p>
@@ -14287,8 +14393,16 @@
           <a:p>
             <a:pPr eaLnBrk="1" hangingPunct="1"/>
             <a:r>
-              <a:rPr lang="de-DE" altLang="de-DE" smtClean="0"/>
-              <a:t>Aufgabe 1a)</a:t>
+              <a:rPr lang="de-DE" altLang="de-DE" dirty="0" smtClean="0"/>
+              <a:t>Aufgabe </a:t>
+            </a:r>
+            <a:r>
+              <a:rPr lang="de-DE" altLang="de-DE" dirty="0" smtClean="0"/>
+              <a:t>2a</a:t>
+            </a:r>
+            <a:r>
+              <a:rPr lang="de-DE" altLang="de-DE" dirty="0" smtClean="0"/>
+              <a:t>)</a:t>
             </a:r>
           </a:p>
         </p:txBody>
@@ -14801,14 +14915,22 @@
           <a:p>
             <a:r>
               <a:rPr lang="de-DE" dirty="0" smtClean="0"/>
-              <a:t>Aufgabe 1f)</a:t>
+              <a:t>Aufgabe </a:t>
+            </a:r>
+            <a:r>
+              <a:rPr lang="de-DE" dirty="0" smtClean="0"/>
+              <a:t>2f</a:t>
+            </a:r>
+            <a:r>
+              <a:rPr lang="de-DE" dirty="0" smtClean="0"/>
+              <a:t>)</a:t>
             </a:r>
             <a:endParaRPr lang="de-DE" dirty="0"/>
           </a:p>
         </p:txBody>
       </p:sp>
-      <mc:AlternateContent xmlns:mc="http://schemas.openxmlformats.org/markup-compatibility/2006">
-        <mc:Choice xmlns:a14="http://schemas.microsoft.com/office/drawing/2010/main" Requires="a14">
+      <mc:AlternateContent xmlns:mc="http://schemas.openxmlformats.org/markup-compatibility/2006" xmlns:a14="http://schemas.microsoft.com/office/drawing/2010/main">
+        <mc:Choice Requires="a14">
           <p:sp>
             <p:nvSpPr>
               <p:cNvPr id="3" name="Inhaltsplatzhalter 2"/>
@@ -14951,11 +15073,7 @@
                 </a:r>
                 <a:r>
                   <a:rPr lang="de-DE" sz="2800" dirty="0" smtClean="0"/>
-                  <a:t>aktueller Gewinn</a:t>
-                </a:r>
-                <a:r>
-                  <a:rPr lang="de-DE" sz="2800" dirty="0" smtClean="0"/>
-                  <a:t>: 0</a:t>
+                  <a:t>aktueller Gewinn: 0</a:t>
                 </a:r>
               </a:p>
               <a:p>
@@ -15071,7 +15189,7 @@
             </p:txBody>
           </p:sp>
         </mc:Choice>
-        <mc:Fallback>
+        <mc:Fallback xmlns="">
           <p:sp>
             <p:nvSpPr>
               <p:cNvPr id="3" name="Inhaltsplatzhalter 2"/>
@@ -15163,7 +15281,15 @@
           <a:p>
             <a:r>
               <a:rPr lang="de-DE" dirty="0" smtClean="0"/>
-              <a:t>Aufgabe 1f)</a:t>
+              <a:t>Aufgabe </a:t>
+            </a:r>
+            <a:r>
+              <a:rPr lang="de-DE" dirty="0" smtClean="0"/>
+              <a:t>2f</a:t>
+            </a:r>
+            <a:r>
+              <a:rPr lang="de-DE" dirty="0" smtClean="0"/>
+              <a:t>)</a:t>
             </a:r>
             <a:endParaRPr lang="de-DE" dirty="0"/>
           </a:p>
@@ -15362,6 +15488,13 @@
   <p:clrMapOvr>
     <a:masterClrMapping/>
   </p:clrMapOvr>
+  <p:timing>
+    <p:tnLst>
+      <p:par>
+        <p:cTn id="1" dur="indefinite" restart="never" nodeType="tmRoot"/>
+      </p:par>
+    </p:tnLst>
+  </p:timing>
 </p:sld>
 </file>
 
@@ -15399,8 +15532,16 @@
           <a:p>
             <a:pPr eaLnBrk="1" hangingPunct="1"/>
             <a:r>
-              <a:rPr lang="de-DE" altLang="de-DE" smtClean="0"/>
-              <a:t>Aufgabe 1a)</a:t>
+              <a:rPr lang="de-DE" altLang="de-DE" dirty="0" smtClean="0"/>
+              <a:t>Aufgabe </a:t>
+            </a:r>
+            <a:r>
+              <a:rPr lang="de-DE" altLang="de-DE" dirty="0" smtClean="0"/>
+              <a:t>2a</a:t>
+            </a:r>
+            <a:r>
+              <a:rPr lang="de-DE" altLang="de-DE" dirty="0" smtClean="0"/>
+              <a:t>)</a:t>
             </a:r>
           </a:p>
         </p:txBody>
@@ -16029,7 +16170,15 @@
             <a:pPr eaLnBrk="1" hangingPunct="1"/>
             <a:r>
               <a:rPr lang="de-DE" altLang="de-DE" dirty="0" smtClean="0"/>
-              <a:t>Aufgabe 1b)</a:t>
+              <a:t>Aufgabe </a:t>
+            </a:r>
+            <a:r>
+              <a:rPr lang="de-DE" altLang="de-DE" dirty="0" smtClean="0"/>
+              <a:t>2b</a:t>
+            </a:r>
+            <a:r>
+              <a:rPr lang="de-DE" altLang="de-DE" dirty="0" smtClean="0"/>
+              <a:t>)</a:t>
             </a:r>
           </a:p>
         </p:txBody>
@@ -16237,7 +16386,15 @@
             <a:pPr eaLnBrk="1" hangingPunct="1"/>
             <a:r>
               <a:rPr lang="de-DE" altLang="de-DE" dirty="0" smtClean="0"/>
-              <a:t>Aufgabe 1b)</a:t>
+              <a:t>Aufgabe </a:t>
+            </a:r>
+            <a:r>
+              <a:rPr lang="de-DE" altLang="de-DE" dirty="0" smtClean="0"/>
+              <a:t>2b</a:t>
+            </a:r>
+            <a:r>
+              <a:rPr lang="de-DE" altLang="de-DE" dirty="0" smtClean="0"/>
+              <a:t>)</a:t>
             </a:r>
           </a:p>
         </p:txBody>
@@ -16626,8 +16783,9 @@
             <a:pPr eaLnBrk="1" hangingPunct="1"/>
             <a:r>
               <a:rPr lang="de-DE" altLang="de-DE" dirty="0" smtClean="0"/>
-              <a:t>Aufgabe 1c)</a:t>
-            </a:r>
+              <a:t>Aufgabe 2c)</a:t>
+            </a:r>
+            <a:endParaRPr lang="de-DE" altLang="de-DE" dirty="0" smtClean="0"/>
           </a:p>
         </p:txBody>
       </p:sp>
@@ -16796,7 +16954,15 @@
             <a:pPr eaLnBrk="1" hangingPunct="1"/>
             <a:r>
               <a:rPr lang="de-DE" altLang="de-DE" dirty="0" smtClean="0"/>
-              <a:t>Aufgabe 1c)</a:t>
+              <a:t>Aufgabe </a:t>
+            </a:r>
+            <a:r>
+              <a:rPr lang="de-DE" altLang="de-DE" dirty="0" smtClean="0"/>
+              <a:t>2c</a:t>
+            </a:r>
+            <a:r>
+              <a:rPr lang="de-DE" altLang="de-DE" dirty="0" smtClean="0"/>
+              <a:t>)</a:t>
             </a:r>
           </a:p>
         </p:txBody>
@@ -17682,7 +17848,19 @@
             <a:pPr eaLnBrk="1" hangingPunct="1"/>
             <a:r>
               <a:rPr lang="de-DE" altLang="de-DE" dirty="0" smtClean="0"/>
-              <a:t>Aufgabe 1d)</a:t>
+              <a:t>Aufgabe </a:t>
+            </a:r>
+            <a:r>
+              <a:rPr lang="de-DE" altLang="de-DE" dirty="0"/>
+              <a:t>2</a:t>
+            </a:r>
+            <a:r>
+              <a:rPr lang="de-DE" altLang="de-DE" dirty="0" smtClean="0"/>
+              <a:t>d</a:t>
+            </a:r>
+            <a:r>
+              <a:rPr lang="de-DE" altLang="de-DE" dirty="0" smtClean="0"/>
+              <a:t>)</a:t>
             </a:r>
           </a:p>
         </p:txBody>
